--- a/suitproject.pptx
+++ b/suitproject.pptx
@@ -10,6 +10,11 @@
     <p:sldId id="258" r:id="rId4"/>
     <p:sldId id="259" r:id="rId5"/>
     <p:sldId id="260" r:id="rId6"/>
+    <p:sldId id="265" r:id="rId7"/>
+    <p:sldId id="261" r:id="rId8"/>
+    <p:sldId id="262" r:id="rId9"/>
+    <p:sldId id="264" r:id="rId10"/>
+    <p:sldId id="263" r:id="rId11"/>
   </p:sldIdLst>
   <p:sldSz cx="9144000" cy="6858000" type="screen4x3"/>
   <p:notesSz cx="6858000" cy="9144000"/>
@@ -292,7 +297,8 @@
           <a:p>
             <a:fld id="{F9F44482-BC14-463A-9867-F11113DA07C0}" type="datetimeFigureOut">
               <a:rPr lang="en-US" smtClean="0"/>
-              <a:t>6/22/2021</a:t>
+              <a:pPr/>
+              <a:t>6/27/2021</a:t>
             </a:fld>
             <a:endParaRPr lang="en-US"/>
           </a:p>
@@ -334,6 +340,7 @@
           <a:p>
             <a:fld id="{E7B81341-0643-458C-BAB9-182BE1F4D787}" type="slidenum">
               <a:rPr lang="en-US" smtClean="0"/>
+              <a:pPr/>
               <a:t>‹#›</a:t>
             </a:fld>
             <a:endParaRPr lang="en-US"/>
@@ -457,7 +464,8 @@
           <a:p>
             <a:fld id="{F9F44482-BC14-463A-9867-F11113DA07C0}" type="datetimeFigureOut">
               <a:rPr lang="en-US" smtClean="0"/>
-              <a:t>6/22/2021</a:t>
+              <a:pPr/>
+              <a:t>6/27/2021</a:t>
             </a:fld>
             <a:endParaRPr lang="en-US"/>
           </a:p>
@@ -499,6 +507,7 @@
           <a:p>
             <a:fld id="{E7B81341-0643-458C-BAB9-182BE1F4D787}" type="slidenum">
               <a:rPr lang="en-US" smtClean="0"/>
+              <a:pPr/>
               <a:t>‹#›</a:t>
             </a:fld>
             <a:endParaRPr lang="en-US"/>
@@ -632,7 +641,8 @@
           <a:p>
             <a:fld id="{F9F44482-BC14-463A-9867-F11113DA07C0}" type="datetimeFigureOut">
               <a:rPr lang="en-US" smtClean="0"/>
-              <a:t>6/22/2021</a:t>
+              <a:pPr/>
+              <a:t>6/27/2021</a:t>
             </a:fld>
             <a:endParaRPr lang="en-US"/>
           </a:p>
@@ -674,6 +684,7 @@
           <a:p>
             <a:fld id="{E7B81341-0643-458C-BAB9-182BE1F4D787}" type="slidenum">
               <a:rPr lang="en-US" smtClean="0"/>
+              <a:pPr/>
               <a:t>‹#›</a:t>
             </a:fld>
             <a:endParaRPr lang="en-US"/>
@@ -797,7 +808,8 @@
           <a:p>
             <a:fld id="{F9F44482-BC14-463A-9867-F11113DA07C0}" type="datetimeFigureOut">
               <a:rPr lang="en-US" smtClean="0"/>
-              <a:t>6/22/2021</a:t>
+              <a:pPr/>
+              <a:t>6/27/2021</a:t>
             </a:fld>
             <a:endParaRPr lang="en-US"/>
           </a:p>
@@ -839,6 +851,7 @@
           <a:p>
             <a:fld id="{E7B81341-0643-458C-BAB9-182BE1F4D787}" type="slidenum">
               <a:rPr lang="en-US" smtClean="0"/>
+              <a:pPr/>
               <a:t>‹#›</a:t>
             </a:fld>
             <a:endParaRPr lang="en-US"/>
@@ -1038,7 +1051,8 @@
           <a:p>
             <a:fld id="{F9F44482-BC14-463A-9867-F11113DA07C0}" type="datetimeFigureOut">
               <a:rPr lang="en-US" smtClean="0"/>
-              <a:t>6/22/2021</a:t>
+              <a:pPr/>
+              <a:t>6/27/2021</a:t>
             </a:fld>
             <a:endParaRPr lang="en-US"/>
           </a:p>
@@ -1080,6 +1094,7 @@
           <a:p>
             <a:fld id="{E7B81341-0643-458C-BAB9-182BE1F4D787}" type="slidenum">
               <a:rPr lang="en-US" smtClean="0"/>
+              <a:pPr/>
               <a:t>‹#›</a:t>
             </a:fld>
             <a:endParaRPr lang="en-US"/>
@@ -1321,7 +1336,8 @@
           <a:p>
             <a:fld id="{F9F44482-BC14-463A-9867-F11113DA07C0}" type="datetimeFigureOut">
               <a:rPr lang="en-US" smtClean="0"/>
-              <a:t>6/22/2021</a:t>
+              <a:pPr/>
+              <a:t>6/27/2021</a:t>
             </a:fld>
             <a:endParaRPr lang="en-US"/>
           </a:p>
@@ -1363,6 +1379,7 @@
           <a:p>
             <a:fld id="{E7B81341-0643-458C-BAB9-182BE1F4D787}" type="slidenum">
               <a:rPr lang="en-US" smtClean="0"/>
+              <a:pPr/>
               <a:t>‹#›</a:t>
             </a:fld>
             <a:endParaRPr lang="en-US"/>
@@ -1738,7 +1755,8 @@
           <a:p>
             <a:fld id="{F9F44482-BC14-463A-9867-F11113DA07C0}" type="datetimeFigureOut">
               <a:rPr lang="en-US" smtClean="0"/>
-              <a:t>6/22/2021</a:t>
+              <a:pPr/>
+              <a:t>6/27/2021</a:t>
             </a:fld>
             <a:endParaRPr lang="en-US"/>
           </a:p>
@@ -1780,6 +1798,7 @@
           <a:p>
             <a:fld id="{E7B81341-0643-458C-BAB9-182BE1F4D787}" type="slidenum">
               <a:rPr lang="en-US" smtClean="0"/>
+              <a:pPr/>
               <a:t>‹#›</a:t>
             </a:fld>
             <a:endParaRPr lang="en-US"/>
@@ -1851,7 +1870,8 @@
           <a:p>
             <a:fld id="{F9F44482-BC14-463A-9867-F11113DA07C0}" type="datetimeFigureOut">
               <a:rPr lang="en-US" smtClean="0"/>
-              <a:t>6/22/2021</a:t>
+              <a:pPr/>
+              <a:t>6/27/2021</a:t>
             </a:fld>
             <a:endParaRPr lang="en-US"/>
           </a:p>
@@ -1893,6 +1913,7 @@
           <a:p>
             <a:fld id="{E7B81341-0643-458C-BAB9-182BE1F4D787}" type="slidenum">
               <a:rPr lang="en-US" smtClean="0"/>
+              <a:pPr/>
               <a:t>‹#›</a:t>
             </a:fld>
             <a:endParaRPr lang="en-US"/>
@@ -1941,7 +1962,8 @@
           <a:p>
             <a:fld id="{F9F44482-BC14-463A-9867-F11113DA07C0}" type="datetimeFigureOut">
               <a:rPr lang="en-US" smtClean="0"/>
-              <a:t>6/22/2021</a:t>
+              <a:pPr/>
+              <a:t>6/27/2021</a:t>
             </a:fld>
             <a:endParaRPr lang="en-US"/>
           </a:p>
@@ -1983,6 +2005,7 @@
           <a:p>
             <a:fld id="{E7B81341-0643-458C-BAB9-182BE1F4D787}" type="slidenum">
               <a:rPr lang="en-US" smtClean="0"/>
+              <a:pPr/>
               <a:t>‹#›</a:t>
             </a:fld>
             <a:endParaRPr lang="en-US"/>
@@ -2213,7 +2236,8 @@
           <a:p>
             <a:fld id="{F9F44482-BC14-463A-9867-F11113DA07C0}" type="datetimeFigureOut">
               <a:rPr lang="en-US" smtClean="0"/>
-              <a:t>6/22/2021</a:t>
+              <a:pPr/>
+              <a:t>6/27/2021</a:t>
             </a:fld>
             <a:endParaRPr lang="en-US"/>
           </a:p>
@@ -2255,6 +2279,7 @@
           <a:p>
             <a:fld id="{E7B81341-0643-458C-BAB9-182BE1F4D787}" type="slidenum">
               <a:rPr lang="en-US" smtClean="0"/>
+              <a:pPr/>
               <a:t>‹#›</a:t>
             </a:fld>
             <a:endParaRPr lang="en-US"/>
@@ -2461,7 +2486,8 @@
           <a:p>
             <a:fld id="{F9F44482-BC14-463A-9867-F11113DA07C0}" type="datetimeFigureOut">
               <a:rPr lang="en-US" smtClean="0"/>
-              <a:t>6/22/2021</a:t>
+              <a:pPr/>
+              <a:t>6/27/2021</a:t>
             </a:fld>
             <a:endParaRPr lang="en-US"/>
           </a:p>
@@ -2503,6 +2529,7 @@
           <a:p>
             <a:fld id="{E7B81341-0643-458C-BAB9-182BE1F4D787}" type="slidenum">
               <a:rPr lang="en-US" smtClean="0"/>
+              <a:pPr/>
               <a:t>‹#›</a:t>
             </a:fld>
             <a:endParaRPr lang="en-US"/>
@@ -2669,7 +2696,8 @@
           <a:p>
             <a:fld id="{F9F44482-BC14-463A-9867-F11113DA07C0}" type="datetimeFigureOut">
               <a:rPr lang="en-US" smtClean="0"/>
-              <a:t>6/22/2021</a:t>
+              <a:pPr/>
+              <a:t>6/27/2021</a:t>
             </a:fld>
             <a:endParaRPr lang="en-US"/>
           </a:p>
@@ -2747,6 +2775,7 @@
           <a:p>
             <a:fld id="{E7B81341-0643-458C-BAB9-182BE1F4D787}" type="slidenum">
               <a:rPr lang="en-US" smtClean="0"/>
+              <a:pPr/>
               <a:t>‹#›</a:t>
             </a:fld>
             <a:endParaRPr lang="en-US"/>
@@ -3277,7 +3306,7 @@
             </a:r>
             <a:r>
               <a:rPr lang="en-US" dirty="0" err="1" smtClean="0"/>
-              <a:t>Ayu</a:t>
+              <a:t>Wahyu</a:t>
             </a:r>
             <a:r>
               <a:rPr lang="en-US" dirty="0" smtClean="0"/>
@@ -3297,11 +3326,213 @@
           </a:p>
         </p:txBody>
       </p:sp>
+      <p:pic>
+        <p:nvPicPr>
+          <p:cNvPr id="8194" name="Picture 2" descr="Kominfo Kembali Buka Digital Talent Scholarship - inilah.com #Ototekno"/>
+          <p:cNvPicPr>
+            <a:picLocks noChangeAspect="1" noChangeArrowheads="1"/>
+          </p:cNvPicPr>
+          <p:nvPr/>
+        </p:nvPicPr>
+        <p:blipFill>
+          <a:blip r:embed="rId3" cstate="print"/>
+          <a:srcRect/>
+          <a:stretch>
+            <a:fillRect/>
+          </a:stretch>
+        </p:blipFill>
+        <p:spPr bwMode="auto">
+          <a:xfrm>
+            <a:off x="3109698" y="0"/>
+            <a:ext cx="2071902" cy="1142999"/>
+          </a:xfrm>
+          <a:prstGeom prst="rect">
+            <a:avLst/>
+          </a:prstGeom>
+          <a:noFill/>
+        </p:spPr>
+      </p:pic>
     </p:spTree>
   </p:cSld>
   <p:clrMapOvr>
     <a:masterClrMapping/>
   </p:clrMapOvr>
+  <p:timing>
+    <p:tnLst>
+      <p:par>
+        <p:cTn id="1" dur="indefinite" restart="never" nodeType="tmRoot"/>
+      </p:par>
+    </p:tnLst>
+  </p:timing>
+</p:sld>
+</file>
+
+<file path=ppt/slides/slide10.xml><?xml version="1.0" encoding="utf-8"?>
+<p:sld xmlns:a="http://schemas.openxmlformats.org/drawingml/2006/main" xmlns:r="http://schemas.openxmlformats.org/officeDocument/2006/relationships" xmlns:p="http://schemas.openxmlformats.org/presentationml/2006/main">
+  <p:cSld>
+    <p:spTree>
+      <p:nvGrpSpPr>
+        <p:cNvPr id="1" name=""/>
+        <p:cNvGrpSpPr/>
+        <p:nvPr/>
+      </p:nvGrpSpPr>
+      <p:grpSpPr>
+        <a:xfrm>
+          <a:off x="0" y="0"/>
+          <a:ext cx="0" cy="0"/>
+          <a:chOff x="0" y="0"/>
+          <a:chExt cx="0" cy="0"/>
+        </a:xfrm>
+      </p:grpSpPr>
+      <p:sp>
+        <p:nvSpPr>
+          <p:cNvPr id="2" name="Title 1"/>
+          <p:cNvSpPr>
+            <a:spLocks noGrp="1"/>
+          </p:cNvSpPr>
+          <p:nvPr>
+            <p:ph type="title"/>
+          </p:nvPr>
+        </p:nvSpPr>
+        <p:spPr/>
+        <p:txBody>
+          <a:bodyPr/>
+          <a:lstStyle/>
+          <a:p>
+            <a:endParaRPr lang="en-US" dirty="0"/>
+          </a:p>
+        </p:txBody>
+      </p:sp>
+      <p:pic>
+        <p:nvPicPr>
+          <p:cNvPr id="14340" name="Picture 4" descr="Pink Wallpapers: Free HD Download [500+ HQ] | Unsplash"/>
+          <p:cNvPicPr>
+            <a:picLocks noChangeAspect="1" noChangeArrowheads="1"/>
+          </p:cNvPicPr>
+          <p:nvPr/>
+        </p:nvPicPr>
+        <p:blipFill>
+          <a:blip r:embed="rId2" cstate="print"/>
+          <a:srcRect/>
+          <a:stretch>
+            <a:fillRect/>
+          </a:stretch>
+        </p:blipFill>
+        <p:spPr bwMode="auto">
+          <a:xfrm>
+            <a:off x="0" y="-7138988"/>
+            <a:ext cx="9525000" cy="14277976"/>
+          </a:xfrm>
+          <a:prstGeom prst="rect">
+            <a:avLst/>
+          </a:prstGeom>
+          <a:noFill/>
+        </p:spPr>
+      </p:pic>
+      <p:sp>
+        <p:nvSpPr>
+          <p:cNvPr id="20" name="TextBox 19"/>
+          <p:cNvSpPr txBox="1"/>
+          <p:nvPr/>
+        </p:nvSpPr>
+        <p:spPr>
+          <a:xfrm>
+            <a:off x="1524000" y="1600200"/>
+            <a:ext cx="184731" cy="369332"/>
+          </a:xfrm>
+          <a:prstGeom prst="rect">
+            <a:avLst/>
+          </a:prstGeom>
+          <a:noFill/>
+        </p:spPr>
+        <p:txBody>
+          <a:bodyPr wrap="none" rtlCol="0">
+            <a:spAutoFit/>
+          </a:bodyPr>
+          <a:lstStyle/>
+          <a:p>
+            <a:endParaRPr lang="en-US" dirty="0"/>
+          </a:p>
+        </p:txBody>
+      </p:sp>
+      <p:sp>
+        <p:nvSpPr>
+          <p:cNvPr id="7" name="TextBox 6"/>
+          <p:cNvSpPr txBox="1"/>
+          <p:nvPr/>
+        </p:nvSpPr>
+        <p:spPr>
+          <a:xfrm>
+            <a:off x="990600" y="838200"/>
+            <a:ext cx="3712748" cy="1446550"/>
+          </a:xfrm>
+          <a:prstGeom prst="rect">
+            <a:avLst/>
+          </a:prstGeom>
+          <a:noFill/>
+        </p:spPr>
+        <p:txBody>
+          <a:bodyPr wrap="none" rtlCol="0">
+            <a:spAutoFit/>
+          </a:bodyPr>
+          <a:lstStyle/>
+          <a:p>
+            <a:r>
+              <a:rPr lang="en-US" sz="4400" dirty="0" err="1" smtClean="0">
+                <a:solidFill>
+                  <a:schemeClr val="bg1"/>
+                </a:solidFill>
+              </a:rPr>
+              <a:t>Referensi</a:t>
+            </a:r>
+            <a:r>
+              <a:rPr lang="en-US" sz="4400" dirty="0" smtClean="0">
+                <a:solidFill>
+                  <a:schemeClr val="bg1"/>
+                </a:solidFill>
+              </a:rPr>
+              <a:t> :</a:t>
+            </a:r>
+          </a:p>
+          <a:p>
+            <a:r>
+              <a:rPr lang="en-US" sz="4400" dirty="0" err="1" smtClean="0">
+                <a:solidFill>
+                  <a:schemeClr val="bg1"/>
+                </a:solidFill>
+              </a:rPr>
+              <a:t>Modul</a:t>
+            </a:r>
+            <a:r>
+              <a:rPr lang="en-US" sz="4400" dirty="0" smtClean="0">
+                <a:solidFill>
+                  <a:schemeClr val="bg1"/>
+                </a:solidFill>
+              </a:rPr>
+              <a:t> </a:t>
+            </a:r>
+            <a:r>
+              <a:rPr lang="en-US" sz="4400" dirty="0" err="1" smtClean="0">
+                <a:solidFill>
+                  <a:schemeClr val="bg1"/>
+                </a:solidFill>
+              </a:rPr>
+              <a:t>Netacad</a:t>
+            </a:r>
+            <a:endParaRPr lang="en-US" sz="4400" dirty="0">
+              <a:solidFill>
+                <a:schemeClr val="bg1"/>
+              </a:solidFill>
+            </a:endParaRPr>
+          </a:p>
+        </p:txBody>
+      </p:sp>
+    </p:spTree>
+  </p:cSld>
+  <p:clrMapOvr>
+    <a:masterClrMapping/>
+  </p:clrMapOvr>
+  <p:transition/>
   <p:timing>
     <p:tnLst>
       <p:par>
@@ -3616,6 +3847,32 @@
           </a:p>
         </p:txBody>
       </p:sp>
+      <p:pic>
+        <p:nvPicPr>
+          <p:cNvPr id="8" name="Picture 2" descr="Kominfo Kembali Buka Digital Talent Scholarship - inilah.com #Ototekno"/>
+          <p:cNvPicPr>
+            <a:picLocks noChangeAspect="1" noChangeArrowheads="1"/>
+          </p:cNvPicPr>
+          <p:nvPr/>
+        </p:nvPicPr>
+        <p:blipFill>
+          <a:blip r:embed="rId3" cstate="print"/>
+          <a:srcRect/>
+          <a:stretch>
+            <a:fillRect/>
+          </a:stretch>
+        </p:blipFill>
+        <p:spPr bwMode="auto">
+          <a:xfrm>
+            <a:off x="3124200" y="0"/>
+            <a:ext cx="2071902" cy="1142999"/>
+          </a:xfrm>
+          <a:prstGeom prst="rect">
+            <a:avLst/>
+          </a:prstGeom>
+          <a:noFill/>
+        </p:spPr>
+      </p:pic>
     </p:spTree>
   </p:cSld>
   <p:clrMapOvr>
@@ -7197,7 +7454,143 @@
       </p:sp>
       <p:pic>
         <p:nvPicPr>
-          <p:cNvPr id="17410" name="Picture 2"/>
+          <p:cNvPr id="1027" name="Picture 3"/>
+          <p:cNvPicPr>
+            <a:picLocks noChangeAspect="1" noChangeArrowheads="1"/>
+          </p:cNvPicPr>
+          <p:nvPr/>
+        </p:nvPicPr>
+        <p:blipFill>
+          <a:blip r:embed="rId3" cstate="print"/>
+          <a:srcRect b="27848"/>
+          <a:stretch>
+            <a:fillRect/>
+          </a:stretch>
+        </p:blipFill>
+        <p:spPr bwMode="auto">
+          <a:xfrm>
+            <a:off x="1143000" y="838200"/>
+            <a:ext cx="7419975" cy="4343400"/>
+          </a:xfrm>
+          <a:prstGeom prst="rect">
+            <a:avLst/>
+          </a:prstGeom>
+          <a:noFill/>
+          <a:ln w="9525">
+            <a:noFill/>
+            <a:miter lim="800000"/>
+            <a:headEnd/>
+            <a:tailEnd/>
+          </a:ln>
+        </p:spPr>
+      </p:pic>
+    </p:spTree>
+  </p:cSld>
+  <p:clrMapOvr>
+    <a:masterClrMapping/>
+  </p:clrMapOvr>
+  <p:transition/>
+  <p:timing>
+    <p:tnLst>
+      <p:par>
+        <p:cTn id="1" dur="indefinite" restart="never" nodeType="tmRoot"/>
+      </p:par>
+    </p:tnLst>
+  </p:timing>
+</p:sld>
+</file>
+
+<file path=ppt/slides/slide6.xml><?xml version="1.0" encoding="utf-8"?>
+<p:sld xmlns:a="http://schemas.openxmlformats.org/drawingml/2006/main" xmlns:r="http://schemas.openxmlformats.org/officeDocument/2006/relationships" xmlns:p="http://schemas.openxmlformats.org/presentationml/2006/main">
+  <p:cSld>
+    <p:spTree>
+      <p:nvGrpSpPr>
+        <p:cNvPr id="1" name=""/>
+        <p:cNvGrpSpPr/>
+        <p:nvPr/>
+      </p:nvGrpSpPr>
+      <p:grpSpPr>
+        <a:xfrm>
+          <a:off x="0" y="0"/>
+          <a:ext cx="0" cy="0"/>
+          <a:chOff x="0" y="0"/>
+          <a:chExt cx="0" cy="0"/>
+        </a:xfrm>
+      </p:grpSpPr>
+      <p:sp>
+        <p:nvSpPr>
+          <p:cNvPr id="2" name="Title 1"/>
+          <p:cNvSpPr>
+            <a:spLocks noGrp="1"/>
+          </p:cNvSpPr>
+          <p:nvPr>
+            <p:ph type="title"/>
+          </p:nvPr>
+        </p:nvSpPr>
+        <p:spPr/>
+        <p:txBody>
+          <a:bodyPr/>
+          <a:lstStyle/>
+          <a:p>
+            <a:endParaRPr lang="en-US" dirty="0"/>
+          </a:p>
+        </p:txBody>
+      </p:sp>
+      <p:pic>
+        <p:nvPicPr>
+          <p:cNvPr id="14340" name="Picture 4" descr="Pink Wallpapers: Free HD Download [500+ HQ] | Unsplash"/>
+          <p:cNvPicPr>
+            <a:picLocks noChangeAspect="1" noChangeArrowheads="1"/>
+          </p:cNvPicPr>
+          <p:nvPr/>
+        </p:nvPicPr>
+        <p:blipFill>
+          <a:blip r:embed="rId2" cstate="print"/>
+          <a:srcRect/>
+          <a:stretch>
+            <a:fillRect/>
+          </a:stretch>
+        </p:blipFill>
+        <p:spPr bwMode="auto">
+          <a:xfrm>
+            <a:off x="0" y="-7138988"/>
+            <a:ext cx="9525000" cy="14277976"/>
+          </a:xfrm>
+          <a:prstGeom prst="rect">
+            <a:avLst/>
+          </a:prstGeom>
+          <a:noFill/>
+        </p:spPr>
+      </p:pic>
+      <p:sp>
+        <p:nvSpPr>
+          <p:cNvPr id="20" name="TextBox 19"/>
+          <p:cNvSpPr txBox="1"/>
+          <p:nvPr/>
+        </p:nvSpPr>
+        <p:spPr>
+          <a:xfrm>
+            <a:off x="1524000" y="1600200"/>
+            <a:ext cx="184731" cy="369332"/>
+          </a:xfrm>
+          <a:prstGeom prst="rect">
+            <a:avLst/>
+          </a:prstGeom>
+          <a:noFill/>
+        </p:spPr>
+        <p:txBody>
+          <a:bodyPr wrap="none" rtlCol="0">
+            <a:spAutoFit/>
+          </a:bodyPr>
+          <a:lstStyle/>
+          <a:p>
+            <a:endParaRPr lang="en-US" dirty="0"/>
+          </a:p>
+        </p:txBody>
+      </p:sp>
+      <p:pic>
+        <p:nvPicPr>
+          <p:cNvPr id="23554" name="Picture 2"/>
           <p:cNvPicPr>
             <a:picLocks noChangeAspect="1" noChangeArrowheads="1"/>
           </p:cNvPicPr>
@@ -7212,8 +7605,536 @@
         </p:blipFill>
         <p:spPr bwMode="auto">
           <a:xfrm>
-            <a:off x="335504" y="1600200"/>
-            <a:ext cx="8808496" cy="4119563"/>
+            <a:off x="990600" y="1066800"/>
+            <a:ext cx="7409965" cy="4300538"/>
+          </a:xfrm>
+          <a:prstGeom prst="rect">
+            <a:avLst/>
+          </a:prstGeom>
+          <a:noFill/>
+          <a:ln w="9525">
+            <a:noFill/>
+            <a:miter lim="800000"/>
+            <a:headEnd/>
+            <a:tailEnd/>
+          </a:ln>
+        </p:spPr>
+      </p:pic>
+    </p:spTree>
+  </p:cSld>
+  <p:clrMapOvr>
+    <a:masterClrMapping/>
+  </p:clrMapOvr>
+  <p:transition/>
+  <p:timing>
+    <p:tnLst>
+      <p:par>
+        <p:cTn id="1" dur="indefinite" restart="never" nodeType="tmRoot"/>
+      </p:par>
+    </p:tnLst>
+  </p:timing>
+</p:sld>
+</file>
+
+<file path=ppt/slides/slide7.xml><?xml version="1.0" encoding="utf-8"?>
+<p:sld xmlns:a="http://schemas.openxmlformats.org/drawingml/2006/main" xmlns:r="http://schemas.openxmlformats.org/officeDocument/2006/relationships" xmlns:p="http://schemas.openxmlformats.org/presentationml/2006/main">
+  <p:cSld>
+    <p:spTree>
+      <p:nvGrpSpPr>
+        <p:cNvPr id="1" name=""/>
+        <p:cNvGrpSpPr/>
+        <p:nvPr/>
+      </p:nvGrpSpPr>
+      <p:grpSpPr>
+        <a:xfrm>
+          <a:off x="0" y="0"/>
+          <a:ext cx="0" cy="0"/>
+          <a:chOff x="0" y="0"/>
+          <a:chExt cx="0" cy="0"/>
+        </a:xfrm>
+      </p:grpSpPr>
+      <p:sp>
+        <p:nvSpPr>
+          <p:cNvPr id="2" name="Title 1"/>
+          <p:cNvSpPr>
+            <a:spLocks noGrp="1"/>
+          </p:cNvSpPr>
+          <p:nvPr>
+            <p:ph type="title"/>
+          </p:nvPr>
+        </p:nvSpPr>
+        <p:spPr/>
+        <p:txBody>
+          <a:bodyPr/>
+          <a:lstStyle/>
+          <a:p>
+            <a:endParaRPr lang="en-US" dirty="0"/>
+          </a:p>
+        </p:txBody>
+      </p:sp>
+      <p:pic>
+        <p:nvPicPr>
+          <p:cNvPr id="14340" name="Picture 4" descr="Pink Wallpapers: Free HD Download [500+ HQ] | Unsplash"/>
+          <p:cNvPicPr>
+            <a:picLocks noChangeAspect="1" noChangeArrowheads="1"/>
+          </p:cNvPicPr>
+          <p:nvPr/>
+        </p:nvPicPr>
+        <p:blipFill>
+          <a:blip r:embed="rId2" cstate="print"/>
+          <a:srcRect/>
+          <a:stretch>
+            <a:fillRect/>
+          </a:stretch>
+        </p:blipFill>
+        <p:spPr bwMode="auto">
+          <a:xfrm>
+            <a:off x="0" y="-7138988"/>
+            <a:ext cx="9525000" cy="14277976"/>
+          </a:xfrm>
+          <a:prstGeom prst="rect">
+            <a:avLst/>
+          </a:prstGeom>
+          <a:noFill/>
+        </p:spPr>
+      </p:pic>
+      <p:sp>
+        <p:nvSpPr>
+          <p:cNvPr id="20" name="TextBox 19"/>
+          <p:cNvSpPr txBox="1"/>
+          <p:nvPr/>
+        </p:nvSpPr>
+        <p:spPr>
+          <a:xfrm>
+            <a:off x="1524000" y="1600200"/>
+            <a:ext cx="184731" cy="369332"/>
+          </a:xfrm>
+          <a:prstGeom prst="rect">
+            <a:avLst/>
+          </a:prstGeom>
+          <a:noFill/>
+        </p:spPr>
+        <p:txBody>
+          <a:bodyPr wrap="none" rtlCol="0">
+            <a:spAutoFit/>
+          </a:bodyPr>
+          <a:lstStyle/>
+          <a:p>
+            <a:endParaRPr lang="en-US" dirty="0"/>
+          </a:p>
+        </p:txBody>
+      </p:sp>
+      <p:sp>
+        <p:nvSpPr>
+          <p:cNvPr id="2054" name="AutoShape 6" descr="blob:https://web.whatsapp.com/dd95c1b7-5aad-461b-a0c1-e93371ac9220"/>
+          <p:cNvSpPr>
+            <a:spLocks noChangeAspect="1" noChangeArrowheads="1"/>
+          </p:cNvSpPr>
+          <p:nvPr/>
+        </p:nvSpPr>
+        <p:spPr bwMode="auto">
+          <a:xfrm>
+            <a:off x="155575" y="-144463"/>
+            <a:ext cx="304800" cy="304801"/>
+          </a:xfrm>
+          <a:prstGeom prst="rect">
+            <a:avLst/>
+          </a:prstGeom>
+          <a:noFill/>
+        </p:spPr>
+        <p:txBody>
+          <a:bodyPr vert="horz" wrap="square" lIns="91440" tIns="45720" rIns="91440" bIns="45720" numCol="1" anchor="t" anchorCtr="0" compatLnSpc="1">
+            <a:prstTxWarp prst="textNoShape">
+              <a:avLst/>
+            </a:prstTxWarp>
+          </a:bodyPr>
+          <a:lstStyle/>
+          <a:p>
+            <a:endParaRPr lang="en-US"/>
+          </a:p>
+        </p:txBody>
+      </p:sp>
+      <p:sp>
+        <p:nvSpPr>
+          <p:cNvPr id="2056" name="AutoShape 8" descr="blob:https://web.whatsapp.com/dd95c1b7-5aad-461b-a0c1-e93371ac9220"/>
+          <p:cNvSpPr>
+            <a:spLocks noChangeAspect="1" noChangeArrowheads="1"/>
+          </p:cNvSpPr>
+          <p:nvPr/>
+        </p:nvSpPr>
+        <p:spPr bwMode="auto">
+          <a:xfrm>
+            <a:off x="155575" y="-144463"/>
+            <a:ext cx="304800" cy="304801"/>
+          </a:xfrm>
+          <a:prstGeom prst="rect">
+            <a:avLst/>
+          </a:prstGeom>
+          <a:noFill/>
+        </p:spPr>
+        <p:txBody>
+          <a:bodyPr vert="horz" wrap="square" lIns="91440" tIns="45720" rIns="91440" bIns="45720" numCol="1" anchor="t" anchorCtr="0" compatLnSpc="1">
+            <a:prstTxWarp prst="textNoShape">
+              <a:avLst/>
+            </a:prstTxWarp>
+          </a:bodyPr>
+          <a:lstStyle/>
+          <a:p>
+            <a:endParaRPr lang="en-US"/>
+          </a:p>
+        </p:txBody>
+      </p:sp>
+      <p:sp>
+        <p:nvSpPr>
+          <p:cNvPr id="2058" name="AutoShape 10" descr="blob:https://web.whatsapp.com/dd95c1b7-5aad-461b-a0c1-e93371ac9220"/>
+          <p:cNvSpPr>
+            <a:spLocks noChangeAspect="1" noChangeArrowheads="1"/>
+          </p:cNvSpPr>
+          <p:nvPr/>
+        </p:nvSpPr>
+        <p:spPr bwMode="auto">
+          <a:xfrm>
+            <a:off x="155575" y="-144463"/>
+            <a:ext cx="304800" cy="304801"/>
+          </a:xfrm>
+          <a:prstGeom prst="rect">
+            <a:avLst/>
+          </a:prstGeom>
+          <a:noFill/>
+        </p:spPr>
+        <p:txBody>
+          <a:bodyPr vert="horz" wrap="square" lIns="91440" tIns="45720" rIns="91440" bIns="45720" numCol="1" anchor="t" anchorCtr="0" compatLnSpc="1">
+            <a:prstTxWarp prst="textNoShape">
+              <a:avLst/>
+            </a:prstTxWarp>
+          </a:bodyPr>
+          <a:lstStyle/>
+          <a:p>
+            <a:endParaRPr lang="en-US"/>
+          </a:p>
+        </p:txBody>
+      </p:sp>
+      <p:sp>
+        <p:nvSpPr>
+          <p:cNvPr id="2060" name="AutoShape 12" descr="blob:https://web.whatsapp.com/dd95c1b7-5aad-461b-a0c1-e93371ac9220"/>
+          <p:cNvSpPr>
+            <a:spLocks noChangeAspect="1" noChangeArrowheads="1"/>
+          </p:cNvSpPr>
+          <p:nvPr/>
+        </p:nvSpPr>
+        <p:spPr bwMode="auto">
+          <a:xfrm>
+            <a:off x="155575" y="-144463"/>
+            <a:ext cx="304800" cy="304801"/>
+          </a:xfrm>
+          <a:prstGeom prst="rect">
+            <a:avLst/>
+          </a:prstGeom>
+          <a:noFill/>
+        </p:spPr>
+        <p:txBody>
+          <a:bodyPr vert="horz" wrap="square" lIns="91440" tIns="45720" rIns="91440" bIns="45720" numCol="1" anchor="t" anchorCtr="0" compatLnSpc="1">
+            <a:prstTxWarp prst="textNoShape">
+              <a:avLst/>
+            </a:prstTxWarp>
+          </a:bodyPr>
+          <a:lstStyle/>
+          <a:p>
+            <a:endParaRPr lang="en-US"/>
+          </a:p>
+        </p:txBody>
+      </p:sp>
+      <p:pic>
+        <p:nvPicPr>
+          <p:cNvPr id="2061" name="Picture 13"/>
+          <p:cNvPicPr>
+            <a:picLocks noChangeAspect="1" noChangeArrowheads="1"/>
+          </p:cNvPicPr>
+          <p:nvPr/>
+        </p:nvPicPr>
+        <p:blipFill>
+          <a:blip r:embed="rId3" cstate="print"/>
+          <a:srcRect/>
+          <a:stretch>
+            <a:fillRect/>
+          </a:stretch>
+        </p:blipFill>
+        <p:spPr bwMode="auto">
+          <a:xfrm>
+            <a:off x="1600200" y="346968"/>
+            <a:ext cx="5934075" cy="6282432"/>
+          </a:xfrm>
+          <a:prstGeom prst="rect">
+            <a:avLst/>
+          </a:prstGeom>
+          <a:noFill/>
+          <a:ln w="9525">
+            <a:noFill/>
+            <a:miter lim="800000"/>
+            <a:headEnd/>
+            <a:tailEnd/>
+          </a:ln>
+        </p:spPr>
+      </p:pic>
+    </p:spTree>
+  </p:cSld>
+  <p:clrMapOvr>
+    <a:masterClrMapping/>
+  </p:clrMapOvr>
+  <p:transition/>
+  <p:timing>
+    <p:tnLst>
+      <p:par>
+        <p:cTn id="1" dur="indefinite" restart="never" nodeType="tmRoot"/>
+      </p:par>
+    </p:tnLst>
+  </p:timing>
+</p:sld>
+</file>
+
+<file path=ppt/slides/slide8.xml><?xml version="1.0" encoding="utf-8"?>
+<p:sld xmlns:a="http://schemas.openxmlformats.org/drawingml/2006/main" xmlns:r="http://schemas.openxmlformats.org/officeDocument/2006/relationships" xmlns:p="http://schemas.openxmlformats.org/presentationml/2006/main">
+  <p:cSld>
+    <p:spTree>
+      <p:nvGrpSpPr>
+        <p:cNvPr id="1" name=""/>
+        <p:cNvGrpSpPr/>
+        <p:nvPr/>
+      </p:nvGrpSpPr>
+      <p:grpSpPr>
+        <a:xfrm>
+          <a:off x="0" y="0"/>
+          <a:ext cx="0" cy="0"/>
+          <a:chOff x="0" y="0"/>
+          <a:chExt cx="0" cy="0"/>
+        </a:xfrm>
+      </p:grpSpPr>
+      <p:sp>
+        <p:nvSpPr>
+          <p:cNvPr id="2" name="Title 1"/>
+          <p:cNvSpPr>
+            <a:spLocks noGrp="1"/>
+          </p:cNvSpPr>
+          <p:nvPr>
+            <p:ph type="title"/>
+          </p:nvPr>
+        </p:nvSpPr>
+        <p:spPr/>
+        <p:txBody>
+          <a:bodyPr/>
+          <a:lstStyle/>
+          <a:p>
+            <a:endParaRPr lang="en-US" dirty="0"/>
+          </a:p>
+        </p:txBody>
+      </p:sp>
+      <p:pic>
+        <p:nvPicPr>
+          <p:cNvPr id="14340" name="Picture 4" descr="Pink Wallpapers: Free HD Download [500+ HQ] | Unsplash"/>
+          <p:cNvPicPr>
+            <a:picLocks noChangeAspect="1" noChangeArrowheads="1"/>
+          </p:cNvPicPr>
+          <p:nvPr/>
+        </p:nvPicPr>
+        <p:blipFill>
+          <a:blip r:embed="rId2" cstate="print"/>
+          <a:srcRect/>
+          <a:stretch>
+            <a:fillRect/>
+          </a:stretch>
+        </p:blipFill>
+        <p:spPr bwMode="auto">
+          <a:xfrm>
+            <a:off x="0" y="-7138988"/>
+            <a:ext cx="9525000" cy="14277976"/>
+          </a:xfrm>
+          <a:prstGeom prst="rect">
+            <a:avLst/>
+          </a:prstGeom>
+          <a:noFill/>
+        </p:spPr>
+      </p:pic>
+      <p:sp>
+        <p:nvSpPr>
+          <p:cNvPr id="20" name="TextBox 19"/>
+          <p:cNvSpPr txBox="1"/>
+          <p:nvPr/>
+        </p:nvSpPr>
+        <p:spPr>
+          <a:xfrm>
+            <a:off x="1524000" y="1600200"/>
+            <a:ext cx="184731" cy="369332"/>
+          </a:xfrm>
+          <a:prstGeom prst="rect">
+            <a:avLst/>
+          </a:prstGeom>
+          <a:noFill/>
+        </p:spPr>
+        <p:txBody>
+          <a:bodyPr wrap="none" rtlCol="0">
+            <a:spAutoFit/>
+          </a:bodyPr>
+          <a:lstStyle/>
+          <a:p>
+            <a:endParaRPr lang="en-US" dirty="0"/>
+          </a:p>
+        </p:txBody>
+      </p:sp>
+      <p:pic>
+        <p:nvPicPr>
+          <p:cNvPr id="3077" name="Picture 5"/>
+          <p:cNvPicPr>
+            <a:picLocks noChangeAspect="1" noChangeArrowheads="1"/>
+          </p:cNvPicPr>
+          <p:nvPr/>
+        </p:nvPicPr>
+        <p:blipFill>
+          <a:blip r:embed="rId3" cstate="print"/>
+          <a:srcRect/>
+          <a:stretch>
+            <a:fillRect/>
+          </a:stretch>
+        </p:blipFill>
+        <p:spPr bwMode="auto">
+          <a:xfrm>
+            <a:off x="1828800" y="762000"/>
+            <a:ext cx="5859891" cy="6505575"/>
+          </a:xfrm>
+          <a:prstGeom prst="rect">
+            <a:avLst/>
+          </a:prstGeom>
+          <a:noFill/>
+          <a:ln w="9525">
+            <a:noFill/>
+            <a:miter lim="800000"/>
+            <a:headEnd/>
+            <a:tailEnd/>
+          </a:ln>
+        </p:spPr>
+      </p:pic>
+    </p:spTree>
+  </p:cSld>
+  <p:clrMapOvr>
+    <a:masterClrMapping/>
+  </p:clrMapOvr>
+  <p:transition/>
+  <p:timing>
+    <p:tnLst>
+      <p:par>
+        <p:cTn id="1" dur="indefinite" restart="never" nodeType="tmRoot"/>
+      </p:par>
+    </p:tnLst>
+  </p:timing>
+</p:sld>
+</file>
+
+<file path=ppt/slides/slide9.xml><?xml version="1.0" encoding="utf-8"?>
+<p:sld xmlns:a="http://schemas.openxmlformats.org/drawingml/2006/main" xmlns:r="http://schemas.openxmlformats.org/officeDocument/2006/relationships" xmlns:p="http://schemas.openxmlformats.org/presentationml/2006/main">
+  <p:cSld>
+    <p:spTree>
+      <p:nvGrpSpPr>
+        <p:cNvPr id="1" name=""/>
+        <p:cNvGrpSpPr/>
+        <p:nvPr/>
+      </p:nvGrpSpPr>
+      <p:grpSpPr>
+        <a:xfrm>
+          <a:off x="0" y="0"/>
+          <a:ext cx="0" cy="0"/>
+          <a:chOff x="0" y="0"/>
+          <a:chExt cx="0" cy="0"/>
+        </a:xfrm>
+      </p:grpSpPr>
+      <p:sp>
+        <p:nvSpPr>
+          <p:cNvPr id="2" name="Title 1"/>
+          <p:cNvSpPr>
+            <a:spLocks noGrp="1"/>
+          </p:cNvSpPr>
+          <p:nvPr>
+            <p:ph type="title"/>
+          </p:nvPr>
+        </p:nvSpPr>
+        <p:spPr/>
+        <p:txBody>
+          <a:bodyPr/>
+          <a:lstStyle/>
+          <a:p>
+            <a:endParaRPr lang="en-US" dirty="0"/>
+          </a:p>
+        </p:txBody>
+      </p:sp>
+      <p:pic>
+        <p:nvPicPr>
+          <p:cNvPr id="14340" name="Picture 4" descr="Pink Wallpapers: Free HD Download [500+ HQ] | Unsplash"/>
+          <p:cNvPicPr>
+            <a:picLocks noChangeAspect="1" noChangeArrowheads="1"/>
+          </p:cNvPicPr>
+          <p:nvPr/>
+        </p:nvPicPr>
+        <p:blipFill>
+          <a:blip r:embed="rId2" cstate="print"/>
+          <a:srcRect/>
+          <a:stretch>
+            <a:fillRect/>
+          </a:stretch>
+        </p:blipFill>
+        <p:spPr bwMode="auto">
+          <a:xfrm>
+            <a:off x="0" y="-7138988"/>
+            <a:ext cx="9525000" cy="14277976"/>
+          </a:xfrm>
+          <a:prstGeom prst="rect">
+            <a:avLst/>
+          </a:prstGeom>
+          <a:noFill/>
+        </p:spPr>
+      </p:pic>
+      <p:sp>
+        <p:nvSpPr>
+          <p:cNvPr id="20" name="TextBox 19"/>
+          <p:cNvSpPr txBox="1"/>
+          <p:nvPr/>
+        </p:nvSpPr>
+        <p:spPr>
+          <a:xfrm>
+            <a:off x="1524000" y="1600200"/>
+            <a:ext cx="184731" cy="369332"/>
+          </a:xfrm>
+          <a:prstGeom prst="rect">
+            <a:avLst/>
+          </a:prstGeom>
+          <a:noFill/>
+        </p:spPr>
+        <p:txBody>
+          <a:bodyPr wrap="none" rtlCol="0">
+            <a:spAutoFit/>
+          </a:bodyPr>
+          <a:lstStyle/>
+          <a:p>
+            <a:endParaRPr lang="en-US" dirty="0"/>
+          </a:p>
+        </p:txBody>
+      </p:sp>
+      <p:pic>
+        <p:nvPicPr>
+          <p:cNvPr id="22530" name="Picture 2"/>
+          <p:cNvPicPr>
+            <a:picLocks noChangeAspect="1" noChangeArrowheads="1"/>
+          </p:cNvPicPr>
+          <p:nvPr/>
+        </p:nvPicPr>
+        <p:blipFill>
+          <a:blip r:embed="rId3" cstate="print"/>
+          <a:srcRect/>
+          <a:stretch>
+            <a:fillRect/>
+          </a:stretch>
+        </p:blipFill>
+        <p:spPr bwMode="auto">
+          <a:xfrm>
+            <a:off x="1671638" y="1619250"/>
+            <a:ext cx="5800725" cy="3619500"/>
           </a:xfrm>
           <a:prstGeom prst="rect">
             <a:avLst/>
